--- a/presentation/overview.pptx
+++ b/presentation/overview.pptx
@@ -276,7 +276,7 @@
           <a:p>
             <a:fld id="{9C265EF0-502A-4E0B-8E98-AD01A0E011A7}" type="datetimeFigureOut">
               <a:rPr lang="en-US" smtClean="0"/>
-              <a:t>8/13/2021</a:t>
+              <a:t>8/14/2021</a:t>
             </a:fld>
             <a:endParaRPr lang="en-US"/>
           </a:p>
@@ -446,7 +446,7 @@
           <a:p>
             <a:fld id="{9C265EF0-502A-4E0B-8E98-AD01A0E011A7}" type="datetimeFigureOut">
               <a:rPr lang="en-US" smtClean="0"/>
-              <a:t>8/13/2021</a:t>
+              <a:t>8/14/2021</a:t>
             </a:fld>
             <a:endParaRPr lang="en-US"/>
           </a:p>
@@ -626,7 +626,7 @@
           <a:p>
             <a:fld id="{9C265EF0-502A-4E0B-8E98-AD01A0E011A7}" type="datetimeFigureOut">
               <a:rPr lang="en-US" smtClean="0"/>
-              <a:t>8/13/2021</a:t>
+              <a:t>8/14/2021</a:t>
             </a:fld>
             <a:endParaRPr lang="en-US"/>
           </a:p>
@@ -796,7 +796,7 @@
           <a:p>
             <a:fld id="{9C265EF0-502A-4E0B-8E98-AD01A0E011A7}" type="datetimeFigureOut">
               <a:rPr lang="en-US" smtClean="0"/>
-              <a:t>8/13/2021</a:t>
+              <a:t>8/14/2021</a:t>
             </a:fld>
             <a:endParaRPr lang="en-US"/>
           </a:p>
@@ -1042,7 +1042,7 @@
           <a:p>
             <a:fld id="{9C265EF0-502A-4E0B-8E98-AD01A0E011A7}" type="datetimeFigureOut">
               <a:rPr lang="en-US" smtClean="0"/>
-              <a:t>8/13/2021</a:t>
+              <a:t>8/14/2021</a:t>
             </a:fld>
             <a:endParaRPr lang="en-US"/>
           </a:p>
@@ -1274,7 +1274,7 @@
           <a:p>
             <a:fld id="{9C265EF0-502A-4E0B-8E98-AD01A0E011A7}" type="datetimeFigureOut">
               <a:rPr lang="en-US" smtClean="0"/>
-              <a:t>8/13/2021</a:t>
+              <a:t>8/14/2021</a:t>
             </a:fld>
             <a:endParaRPr lang="en-US"/>
           </a:p>
@@ -1641,7 +1641,7 @@
           <a:p>
             <a:fld id="{9C265EF0-502A-4E0B-8E98-AD01A0E011A7}" type="datetimeFigureOut">
               <a:rPr lang="en-US" smtClean="0"/>
-              <a:t>8/13/2021</a:t>
+              <a:t>8/14/2021</a:t>
             </a:fld>
             <a:endParaRPr lang="en-US"/>
           </a:p>
@@ -1759,7 +1759,7 @@
           <a:p>
             <a:fld id="{9C265EF0-502A-4E0B-8E98-AD01A0E011A7}" type="datetimeFigureOut">
               <a:rPr lang="en-US" smtClean="0"/>
-              <a:t>8/13/2021</a:t>
+              <a:t>8/14/2021</a:t>
             </a:fld>
             <a:endParaRPr lang="en-US"/>
           </a:p>
@@ -1854,7 +1854,7 @@
           <a:p>
             <a:fld id="{9C265EF0-502A-4E0B-8E98-AD01A0E011A7}" type="datetimeFigureOut">
               <a:rPr lang="en-US" smtClean="0"/>
-              <a:t>8/13/2021</a:t>
+              <a:t>8/14/2021</a:t>
             </a:fld>
             <a:endParaRPr lang="en-US"/>
           </a:p>
@@ -2131,7 +2131,7 @@
           <a:p>
             <a:fld id="{9C265EF0-502A-4E0B-8E98-AD01A0E011A7}" type="datetimeFigureOut">
               <a:rPr lang="en-US" smtClean="0"/>
-              <a:t>8/13/2021</a:t>
+              <a:t>8/14/2021</a:t>
             </a:fld>
             <a:endParaRPr lang="en-US"/>
           </a:p>
@@ -2384,7 +2384,7 @@
           <a:p>
             <a:fld id="{9C265EF0-502A-4E0B-8E98-AD01A0E011A7}" type="datetimeFigureOut">
               <a:rPr lang="en-US" smtClean="0"/>
-              <a:t>8/13/2021</a:t>
+              <a:t>8/14/2021</a:t>
             </a:fld>
             <a:endParaRPr lang="en-US"/>
           </a:p>
@@ -2597,7 +2597,7 @@
           <a:p>
             <a:fld id="{9C265EF0-502A-4E0B-8E98-AD01A0E011A7}" type="datetimeFigureOut">
               <a:rPr lang="en-US" smtClean="0"/>
-              <a:t>8/13/2021</a:t>
+              <a:t>8/14/2021</a:t>
             </a:fld>
             <a:endParaRPr lang="en-US"/>
           </a:p>
@@ -3026,256 +3026,16 @@
           <a:p>
             <a:r>
               <a:rPr lang="en-US" sz="3200" dirty="0" smtClean="0"/>
-              <a:t>Annotation Workflow</a:t>
+              <a:t>Data Processing </a:t>
+            </a:r>
+            <a:r>
+              <a:rPr lang="en-US" sz="3200" dirty="0" smtClean="0"/>
+              <a:t>Workflow</a:t>
             </a:r>
             <a:endParaRPr lang="en-US" sz="3200" dirty="0"/>
           </a:p>
         </p:txBody>
       </p:sp>
-      <p:pic>
-        <p:nvPicPr>
-          <p:cNvPr id="1026" name="Picture 2" descr="https://slack-imgs.com/?c=1&amp;o1=ro&amp;url=https%3A%2F%2Fars.els-cdn.com%2Fcontent%2Fimage%2F1-s2.0-S1532046421001088-ga1.jpg"/>
-          <p:cNvPicPr>
-            <a:picLocks noChangeAspect="1" noChangeArrowheads="1"/>
-          </p:cNvPicPr>
-          <p:nvPr/>
-        </p:nvPicPr>
-        <p:blipFill rotWithShape="1">
-          <a:blip r:embed="rId2">
-            <a:extLst>
-              <a:ext uri="{28A0092B-C50C-407E-A947-70E740481C1C}">
-                <a14:useLocalDpi xmlns:a14="http://schemas.microsoft.com/office/drawing/2010/main" val="0"/>
-              </a:ext>
-            </a:extLst>
-          </a:blip>
-          <a:srcRect t="17452" r="62896" b="18977"/>
-          <a:stretch/>
-        </p:blipFill>
-        <p:spPr bwMode="auto">
-          <a:xfrm>
-            <a:off x="319570" y="1608667"/>
-            <a:ext cx="2246413" cy="2015066"/>
-          </a:xfrm>
-          <a:prstGeom prst="rect">
-            <a:avLst/>
-          </a:prstGeom>
-          <a:noFill/>
-          <a:extLst>
-            <a:ext uri="{909E8E84-426E-40DD-AFC4-6F175D3DCCD1}">
-              <a14:hiddenFill xmlns:a14="http://schemas.microsoft.com/office/drawing/2010/main">
-                <a:solidFill>
-                  <a:srgbClr val="FFFFFF"/>
-                </a:solidFill>
-              </a14:hiddenFill>
-            </a:ext>
-          </a:extLst>
-        </p:spPr>
-      </p:pic>
-      <p:pic>
-        <p:nvPicPr>
-          <p:cNvPr id="1030" name="Picture 6" descr="Free Xml File Icon of Colored Outline style - Available in SVG, PNG, EPS,  AI &amp;amp; Icon fonts"/>
-          <p:cNvPicPr>
-            <a:picLocks noChangeAspect="1" noChangeArrowheads="1"/>
-          </p:cNvPicPr>
-          <p:nvPr/>
-        </p:nvPicPr>
-        <p:blipFill>
-          <a:blip r:embed="rId3" cstate="print">
-            <a:extLst>
-              <a:ext uri="{28A0092B-C50C-407E-A947-70E740481C1C}">
-                <a14:useLocalDpi xmlns:a14="http://schemas.microsoft.com/office/drawing/2010/main" val="0"/>
-              </a:ext>
-            </a:extLst>
-          </a:blip>
-          <a:srcRect/>
-          <a:stretch>
-            <a:fillRect/>
-          </a:stretch>
-        </p:blipFill>
-        <p:spPr bwMode="auto">
-          <a:xfrm>
-            <a:off x="3398308" y="1796939"/>
-            <a:ext cx="1410759" cy="1410760"/>
-          </a:xfrm>
-          <a:prstGeom prst="rect">
-            <a:avLst/>
-          </a:prstGeom>
-          <a:noFill/>
-          <a:extLst>
-            <a:ext uri="{909E8E84-426E-40DD-AFC4-6F175D3DCCD1}">
-              <a14:hiddenFill xmlns:a14="http://schemas.microsoft.com/office/drawing/2010/main">
-                <a:solidFill>
-                  <a:srgbClr val="FFFFFF"/>
-                </a:solidFill>
-              </a14:hiddenFill>
-            </a:ext>
-          </a:extLst>
-        </p:spPr>
-      </p:pic>
-      <p:pic>
-        <p:nvPicPr>
-          <p:cNvPr id="8" name="Picture 6" descr="Free Xml File Icon of Colored Outline style - Available in SVG, PNG, EPS,  AI &amp;amp; Icon fonts"/>
-          <p:cNvPicPr>
-            <a:picLocks noChangeAspect="1" noChangeArrowheads="1"/>
-          </p:cNvPicPr>
-          <p:nvPr/>
-        </p:nvPicPr>
-        <p:blipFill>
-          <a:blip r:embed="rId3" cstate="print">
-            <a:extLst>
-              <a:ext uri="{28A0092B-C50C-407E-A947-70E740481C1C}">
-                <a14:useLocalDpi xmlns:a14="http://schemas.microsoft.com/office/drawing/2010/main" val="0"/>
-              </a:ext>
-            </a:extLst>
-          </a:blip>
-          <a:srcRect/>
-          <a:stretch>
-            <a:fillRect/>
-          </a:stretch>
-        </p:blipFill>
-        <p:spPr bwMode="auto">
-          <a:xfrm>
-            <a:off x="3533775" y="1940872"/>
-            <a:ext cx="1410759" cy="1410760"/>
-          </a:xfrm>
-          <a:prstGeom prst="rect">
-            <a:avLst/>
-          </a:prstGeom>
-          <a:noFill/>
-          <a:extLst>
-            <a:ext uri="{909E8E84-426E-40DD-AFC4-6F175D3DCCD1}">
-              <a14:hiddenFill xmlns:a14="http://schemas.microsoft.com/office/drawing/2010/main">
-                <a:solidFill>
-                  <a:srgbClr val="FFFFFF"/>
-                </a:solidFill>
-              </a14:hiddenFill>
-            </a:ext>
-          </a:extLst>
-        </p:spPr>
-      </p:pic>
-      <p:pic>
-        <p:nvPicPr>
-          <p:cNvPr id="9" name="Picture 6" descr="Free Xml File Icon of Colored Outline style - Available in SVG, PNG, EPS,  AI &amp;amp; Icon fonts"/>
-          <p:cNvPicPr>
-            <a:picLocks noChangeAspect="1" noChangeArrowheads="1"/>
-          </p:cNvPicPr>
-          <p:nvPr/>
-        </p:nvPicPr>
-        <p:blipFill>
-          <a:blip r:embed="rId3" cstate="print">
-            <a:extLst>
-              <a:ext uri="{28A0092B-C50C-407E-A947-70E740481C1C}">
-                <a14:useLocalDpi xmlns:a14="http://schemas.microsoft.com/office/drawing/2010/main" val="0"/>
-              </a:ext>
-            </a:extLst>
-          </a:blip>
-          <a:srcRect/>
-          <a:stretch>
-            <a:fillRect/>
-          </a:stretch>
-        </p:blipFill>
-        <p:spPr bwMode="auto">
-          <a:xfrm>
-            <a:off x="3669242" y="2084805"/>
-            <a:ext cx="1410759" cy="1410760"/>
-          </a:xfrm>
-          <a:prstGeom prst="rect">
-            <a:avLst/>
-          </a:prstGeom>
-          <a:noFill/>
-          <a:extLst>
-            <a:ext uri="{909E8E84-426E-40DD-AFC4-6F175D3DCCD1}">
-              <a14:hiddenFill xmlns:a14="http://schemas.microsoft.com/office/drawing/2010/main">
-                <a:solidFill>
-                  <a:srgbClr val="FFFFFF"/>
-                </a:solidFill>
-              </a14:hiddenFill>
-            </a:ext>
-          </a:extLst>
-        </p:spPr>
-      </p:pic>
-      <p:pic>
-        <p:nvPicPr>
-          <p:cNvPr id="10" name="Picture 6" descr="Free Xml File Icon of Colored Outline style - Available in SVG, PNG, EPS,  AI &amp;amp; Icon fonts"/>
-          <p:cNvPicPr>
-            <a:picLocks noChangeAspect="1" noChangeArrowheads="1"/>
-          </p:cNvPicPr>
-          <p:nvPr/>
-        </p:nvPicPr>
-        <p:blipFill>
-          <a:blip r:embed="rId3" cstate="print">
-            <a:extLst>
-              <a:ext uri="{28A0092B-C50C-407E-A947-70E740481C1C}">
-                <a14:useLocalDpi xmlns:a14="http://schemas.microsoft.com/office/drawing/2010/main" val="0"/>
-              </a:ext>
-            </a:extLst>
-          </a:blip>
-          <a:srcRect/>
-          <a:stretch>
-            <a:fillRect/>
-          </a:stretch>
-        </p:blipFill>
-        <p:spPr bwMode="auto">
-          <a:xfrm>
-            <a:off x="3827463" y="2228738"/>
-            <a:ext cx="1410759" cy="1410760"/>
-          </a:xfrm>
-          <a:prstGeom prst="rect">
-            <a:avLst/>
-          </a:prstGeom>
-          <a:noFill/>
-          <a:extLst>
-            <a:ext uri="{909E8E84-426E-40DD-AFC4-6F175D3DCCD1}">
-              <a14:hiddenFill xmlns:a14="http://schemas.microsoft.com/office/drawing/2010/main">
-                <a:solidFill>
-                  <a:srgbClr val="FFFFFF"/>
-                </a:solidFill>
-              </a14:hiddenFill>
-            </a:ext>
-          </a:extLst>
-        </p:spPr>
-      </p:pic>
-      <p:pic>
-        <p:nvPicPr>
-          <p:cNvPr id="11" name="Picture 6" descr="Free Xml File Icon of Colored Outline style - Available in SVG, PNG, EPS,  AI &amp;amp; Icon fonts"/>
-          <p:cNvPicPr>
-            <a:picLocks noChangeAspect="1" noChangeArrowheads="1"/>
-          </p:cNvPicPr>
-          <p:nvPr/>
-        </p:nvPicPr>
-        <p:blipFill>
-          <a:blip r:embed="rId3" cstate="print">
-            <a:extLst>
-              <a:ext uri="{28A0092B-C50C-407E-A947-70E740481C1C}">
-                <a14:useLocalDpi xmlns:a14="http://schemas.microsoft.com/office/drawing/2010/main" val="0"/>
-              </a:ext>
-            </a:extLst>
-          </a:blip>
-          <a:srcRect/>
-          <a:stretch>
-            <a:fillRect/>
-          </a:stretch>
-        </p:blipFill>
-        <p:spPr bwMode="auto">
-          <a:xfrm>
-            <a:off x="3960549" y="2372671"/>
-            <a:ext cx="1410759" cy="1410760"/>
-          </a:xfrm>
-          <a:prstGeom prst="rect">
-            <a:avLst/>
-          </a:prstGeom>
-          <a:noFill/>
-          <a:extLst>
-            <a:ext uri="{909E8E84-426E-40DD-AFC4-6F175D3DCCD1}">
-              <a14:hiddenFill xmlns:a14="http://schemas.microsoft.com/office/drawing/2010/main">
-                <a:solidFill>
-                  <a:srgbClr val="FFFFFF"/>
-                </a:solidFill>
-              </a14:hiddenFill>
-            </a:ext>
-          </a:extLst>
-        </p:spPr>
-      </p:pic>
       <p:sp>
         <p:nvSpPr>
           <p:cNvPr id="6" name="Right Arrow 5"/>
@@ -3284,7 +3044,7 @@
         </p:nvSpPr>
         <p:spPr>
           <a:xfrm>
-            <a:off x="2699069" y="2292560"/>
+            <a:off x="2990012" y="2292560"/>
             <a:ext cx="677333" cy="728133"/>
           </a:xfrm>
           <a:prstGeom prst="rightArrow">
@@ -3316,15 +3076,405 @@
           </a:p>
         </p:txBody>
       </p:sp>
-      <p:sp>
-        <p:nvSpPr>
-          <p:cNvPr id="13" name="Right Arrow 12"/>
+      <p:pic>
+        <p:nvPicPr>
+          <p:cNvPr id="1032" name="Picture 8" descr="How the Auth0 Data Team Uses R and Python"/>
+          <p:cNvPicPr>
+            <a:picLocks noChangeAspect="1" noChangeArrowheads="1"/>
+          </p:cNvPicPr>
+          <p:nvPr/>
+        </p:nvPicPr>
+        <p:blipFill rotWithShape="1">
+          <a:blip r:embed="rId2" cstate="print">
+            <a:extLst>
+              <a:ext uri="{28A0092B-C50C-407E-A947-70E740481C1C}">
+                <a14:useLocalDpi xmlns:a14="http://schemas.microsoft.com/office/drawing/2010/main" val="0"/>
+              </a:ext>
+            </a:extLst>
+          </a:blip>
+          <a:srcRect t="26268" b="27974"/>
+          <a:stretch/>
+        </p:blipFill>
+        <p:spPr bwMode="auto">
+          <a:xfrm>
+            <a:off x="5959842" y="2179527"/>
+            <a:ext cx="2199037" cy="1021390"/>
+          </a:xfrm>
+          <a:prstGeom prst="rect">
+            <a:avLst/>
+          </a:prstGeom>
+          <a:noFill/>
+          <a:extLst>
+            <a:ext uri="{909E8E84-426E-40DD-AFC4-6F175D3DCCD1}">
+              <a14:hiddenFill xmlns:a14="http://schemas.microsoft.com/office/drawing/2010/main">
+                <a:solidFill>
+                  <a:srgbClr val="FFFFFF"/>
+                </a:solidFill>
+              </a14:hiddenFill>
+            </a:ext>
+          </a:extLst>
+        </p:spPr>
+      </p:pic>
+      <p:sp>
+        <p:nvSpPr>
+          <p:cNvPr id="7" name="TextBox 6"/>
+          <p:cNvSpPr txBox="1"/>
+          <p:nvPr/>
+        </p:nvSpPr>
+        <p:spPr>
+          <a:xfrm>
+            <a:off x="9524848" y="3737528"/>
+            <a:ext cx="2112664" cy="369332"/>
+          </a:xfrm>
+          <a:prstGeom prst="rect">
+            <a:avLst/>
+          </a:prstGeom>
+          <a:noFill/>
+        </p:spPr>
+        <p:txBody>
+          <a:bodyPr wrap="square" rtlCol="0">
+            <a:spAutoFit/>
+          </a:bodyPr>
+          <a:lstStyle/>
+          <a:p>
+            <a:pPr algn="ctr"/>
+            <a:r>
+              <a:rPr lang="en-US" dirty="0" smtClean="0"/>
+              <a:t>Import to Redcap</a:t>
+            </a:r>
+            <a:endParaRPr lang="en-US" dirty="0"/>
+          </a:p>
+        </p:txBody>
+      </p:sp>
+      <p:sp>
+        <p:nvSpPr>
+          <p:cNvPr id="18" name="TextBox 17"/>
+          <p:cNvSpPr txBox="1"/>
+          <p:nvPr/>
+        </p:nvSpPr>
+        <p:spPr>
+          <a:xfrm>
+            <a:off x="4664333" y="3760124"/>
+            <a:ext cx="2199037" cy="369332"/>
+          </a:xfrm>
+          <a:prstGeom prst="rect">
+            <a:avLst/>
+          </a:prstGeom>
+          <a:noFill/>
+        </p:spPr>
+        <p:txBody>
+          <a:bodyPr wrap="square" rtlCol="0">
+            <a:spAutoFit/>
+          </a:bodyPr>
+          <a:lstStyle/>
+          <a:p>
+            <a:pPr algn="ctr"/>
+            <a:r>
+              <a:rPr lang="en-US" dirty="0" smtClean="0"/>
+              <a:t>Data Processing </a:t>
+            </a:r>
+            <a:endParaRPr lang="en-US" dirty="0"/>
+          </a:p>
+        </p:txBody>
+      </p:sp>
+      <p:grpSp>
+        <p:nvGrpSpPr>
+          <p:cNvPr id="12" name="Group 11"/>
+          <p:cNvGrpSpPr/>
+          <p:nvPr/>
+        </p:nvGrpSpPr>
+        <p:grpSpPr>
+          <a:xfrm>
+            <a:off x="149629" y="2140384"/>
+            <a:ext cx="2793076" cy="1178736"/>
+            <a:chOff x="216131" y="1870364"/>
+            <a:chExt cx="3283527" cy="1207687"/>
+          </a:xfrm>
+        </p:grpSpPr>
+        <p:pic>
+          <p:nvPicPr>
+            <p:cNvPr id="3" name="Picture 2" descr="Overall Branding Guidelines » Clinical and Translational Science Institute  » University of Florida"/>
+            <p:cNvPicPr>
+              <a:picLocks noChangeAspect="1" noChangeArrowheads="1"/>
+            </p:cNvPicPr>
+            <p:nvPr/>
+          </p:nvPicPr>
+          <p:blipFill>
+            <a:blip r:embed="rId3" cstate="print">
+              <a:extLst>
+                <a:ext uri="{28A0092B-C50C-407E-A947-70E740481C1C}">
+                  <a14:useLocalDpi xmlns:a14="http://schemas.microsoft.com/office/drawing/2010/main" val="0"/>
+                </a:ext>
+              </a:extLst>
+            </a:blip>
+            <a:srcRect/>
+            <a:stretch>
+              <a:fillRect/>
+            </a:stretch>
+          </p:blipFill>
+          <p:spPr bwMode="auto">
+            <a:xfrm>
+              <a:off x="318543" y="2010173"/>
+              <a:ext cx="3066503" cy="679490"/>
+            </a:xfrm>
+            <a:prstGeom prst="rect">
+              <a:avLst/>
+            </a:prstGeom>
+            <a:noFill/>
+            <a:extLst>
+              <a:ext uri="{909E8E84-426E-40DD-AFC4-6F175D3DCCD1}">
+                <a14:hiddenFill xmlns:a14="http://schemas.microsoft.com/office/drawing/2010/main">
+                  <a:solidFill>
+                    <a:srgbClr val="FFFFFF"/>
+                  </a:solidFill>
+                </a14:hiddenFill>
+              </a:ext>
+            </a:extLst>
+          </p:spPr>
+        </p:pic>
+        <p:sp>
+          <p:nvSpPr>
+            <p:cNvPr id="4" name="TextBox 3"/>
+            <p:cNvSpPr txBox="1"/>
+            <p:nvPr/>
+          </p:nvSpPr>
+          <p:spPr>
+            <a:xfrm>
+              <a:off x="216131" y="2689663"/>
+              <a:ext cx="3194531" cy="315336"/>
+            </a:xfrm>
+            <a:prstGeom prst="rect">
+              <a:avLst/>
+            </a:prstGeom>
+            <a:noFill/>
+          </p:spPr>
+          <p:txBody>
+            <a:bodyPr wrap="square" rtlCol="0">
+              <a:spAutoFit/>
+            </a:bodyPr>
+            <a:lstStyle/>
+            <a:p>
+              <a:pPr algn="ctr"/>
+              <a:r>
+                <a:rPr lang="en-US" sz="1400" dirty="0" smtClean="0"/>
+                <a:t>Integrated Data Repository (IDR)</a:t>
+              </a:r>
+              <a:endParaRPr lang="en-US" sz="1400" dirty="0"/>
+            </a:p>
+          </p:txBody>
+        </p:sp>
+        <p:sp>
+          <p:nvSpPr>
+            <p:cNvPr id="5" name="Rounded Rectangle 4"/>
+            <p:cNvSpPr/>
+            <p:nvPr/>
+          </p:nvSpPr>
+          <p:spPr>
+            <a:xfrm>
+              <a:off x="216131" y="1870364"/>
+              <a:ext cx="3283527" cy="1207687"/>
+            </a:xfrm>
+            <a:prstGeom prst="roundRect">
+              <a:avLst/>
+            </a:prstGeom>
+            <a:noFill/>
+            <a:ln>
+              <a:solidFill>
+                <a:schemeClr val="tx1"/>
+              </a:solidFill>
+            </a:ln>
+          </p:spPr>
+          <p:style>
+            <a:lnRef idx="2">
+              <a:schemeClr val="accent1">
+                <a:shade val="50000"/>
+              </a:schemeClr>
+            </a:lnRef>
+            <a:fillRef idx="1">
+              <a:schemeClr val="accent1"/>
+            </a:fillRef>
+            <a:effectRef idx="0">
+              <a:schemeClr val="accent1"/>
+            </a:effectRef>
+            <a:fontRef idx="minor">
+              <a:schemeClr val="lt1"/>
+            </a:fontRef>
+          </p:style>
+          <p:txBody>
+            <a:bodyPr rtlCol="0" anchor="ctr"/>
+            <a:lstStyle/>
+            <a:p>
+              <a:pPr algn="ctr"/>
+              <a:endParaRPr lang="en-US"/>
+            </a:p>
+          </p:txBody>
+        </p:sp>
+      </p:grpSp>
+      <p:pic>
+        <p:nvPicPr>
+          <p:cNvPr id="14" name="Picture 6" descr="60+ Data Connectors &amp;amp; Integrations for Credit Unions and Banks"/>
+          <p:cNvPicPr>
+            <a:picLocks noChangeAspect="1" noChangeArrowheads="1"/>
+          </p:cNvPicPr>
+          <p:nvPr/>
+        </p:nvPicPr>
+        <p:blipFill rotWithShape="1">
+          <a:blip r:embed="rId4">
+            <a:extLst>
+              <a:ext uri="{28A0092B-C50C-407E-A947-70E740481C1C}">
+                <a14:useLocalDpi xmlns:a14="http://schemas.microsoft.com/office/drawing/2010/main" val="0"/>
+              </a:ext>
+            </a:extLst>
+          </a:blip>
+          <a:srcRect l="25882" t="14020" r="25536" b="13796"/>
+          <a:stretch/>
+        </p:blipFill>
+        <p:spPr bwMode="auto">
+          <a:xfrm>
+            <a:off x="3730582" y="1891673"/>
+            <a:ext cx="1124899" cy="1192258"/>
+          </a:xfrm>
+          <a:prstGeom prst="rect">
+            <a:avLst/>
+          </a:prstGeom>
+          <a:noFill/>
+          <a:extLst>
+            <a:ext uri="{909E8E84-426E-40DD-AFC4-6F175D3DCCD1}">
+              <a14:hiddenFill xmlns:a14="http://schemas.microsoft.com/office/drawing/2010/main">
+                <a:solidFill>
+                  <a:srgbClr val="FFFFFF"/>
+                </a:solidFill>
+              </a14:hiddenFill>
+            </a:ext>
+          </a:extLst>
+        </p:spPr>
+      </p:pic>
+      <p:pic>
+        <p:nvPicPr>
+          <p:cNvPr id="24" name="Picture 6" descr="60+ Data Connectors &amp;amp; Integrations for Credit Unions and Banks"/>
+          <p:cNvPicPr>
+            <a:picLocks noChangeAspect="1" noChangeArrowheads="1"/>
+          </p:cNvPicPr>
+          <p:nvPr/>
+        </p:nvPicPr>
+        <p:blipFill rotWithShape="1">
+          <a:blip r:embed="rId4">
+            <a:extLst>
+              <a:ext uri="{28A0092B-C50C-407E-A947-70E740481C1C}">
+                <a14:useLocalDpi xmlns:a14="http://schemas.microsoft.com/office/drawing/2010/main" val="0"/>
+              </a:ext>
+            </a:extLst>
+          </a:blip>
+          <a:srcRect l="25882" t="14020" r="25536" b="13796"/>
+          <a:stretch/>
+        </p:blipFill>
+        <p:spPr bwMode="auto">
+          <a:xfrm>
+            <a:off x="3882982" y="2044073"/>
+            <a:ext cx="1124899" cy="1192258"/>
+          </a:xfrm>
+          <a:prstGeom prst="rect">
+            <a:avLst/>
+          </a:prstGeom>
+          <a:noFill/>
+          <a:extLst>
+            <a:ext uri="{909E8E84-426E-40DD-AFC4-6F175D3DCCD1}">
+              <a14:hiddenFill xmlns:a14="http://schemas.microsoft.com/office/drawing/2010/main">
+                <a:solidFill>
+                  <a:srgbClr val="FFFFFF"/>
+                </a:solidFill>
+              </a14:hiddenFill>
+            </a:ext>
+          </a:extLst>
+        </p:spPr>
+      </p:pic>
+      <p:pic>
+        <p:nvPicPr>
+          <p:cNvPr id="25" name="Picture 6" descr="60+ Data Connectors &amp;amp; Integrations for Credit Unions and Banks"/>
+          <p:cNvPicPr>
+            <a:picLocks noChangeAspect="1" noChangeArrowheads="1"/>
+          </p:cNvPicPr>
+          <p:nvPr/>
+        </p:nvPicPr>
+        <p:blipFill rotWithShape="1">
+          <a:blip r:embed="rId4">
+            <a:extLst>
+              <a:ext uri="{28A0092B-C50C-407E-A947-70E740481C1C}">
+                <a14:useLocalDpi xmlns:a14="http://schemas.microsoft.com/office/drawing/2010/main" val="0"/>
+              </a:ext>
+            </a:extLst>
+          </a:blip>
+          <a:srcRect l="25882" t="14020" r="25536" b="13796"/>
+          <a:stretch/>
+        </p:blipFill>
+        <p:spPr bwMode="auto">
+          <a:xfrm>
+            <a:off x="4035382" y="2196473"/>
+            <a:ext cx="1124899" cy="1192258"/>
+          </a:xfrm>
+          <a:prstGeom prst="rect">
+            <a:avLst/>
+          </a:prstGeom>
+          <a:noFill/>
+          <a:extLst>
+            <a:ext uri="{909E8E84-426E-40DD-AFC4-6F175D3DCCD1}">
+              <a14:hiddenFill xmlns:a14="http://schemas.microsoft.com/office/drawing/2010/main">
+                <a:solidFill>
+                  <a:srgbClr val="FFFFFF"/>
+                </a:solidFill>
+              </a14:hiddenFill>
+            </a:ext>
+          </a:extLst>
+        </p:spPr>
+      </p:pic>
+      <p:pic>
+        <p:nvPicPr>
+          <p:cNvPr id="26" name="Picture 6" descr="60+ Data Connectors &amp;amp; Integrations for Credit Unions and Banks"/>
+          <p:cNvPicPr>
+            <a:picLocks noChangeAspect="1" noChangeArrowheads="1"/>
+          </p:cNvPicPr>
+          <p:nvPr/>
+        </p:nvPicPr>
+        <p:blipFill rotWithShape="1">
+          <a:blip r:embed="rId4">
+            <a:extLst>
+              <a:ext uri="{28A0092B-C50C-407E-A947-70E740481C1C}">
+                <a14:useLocalDpi xmlns:a14="http://schemas.microsoft.com/office/drawing/2010/main" val="0"/>
+              </a:ext>
+            </a:extLst>
+          </a:blip>
+          <a:srcRect l="25882" t="14020" r="25536" b="13796"/>
+          <a:stretch/>
+        </p:blipFill>
+        <p:spPr bwMode="auto">
+          <a:xfrm>
+            <a:off x="4187782" y="2348873"/>
+            <a:ext cx="1124899" cy="1192258"/>
+          </a:xfrm>
+          <a:prstGeom prst="rect">
+            <a:avLst/>
+          </a:prstGeom>
+          <a:noFill/>
+          <a:extLst>
+            <a:ext uri="{909E8E84-426E-40DD-AFC4-6F175D3DCCD1}">
+              <a14:hiddenFill xmlns:a14="http://schemas.microsoft.com/office/drawing/2010/main">
+                <a:solidFill>
+                  <a:srgbClr val="FFFFFF"/>
+                </a:solidFill>
+              </a14:hiddenFill>
+            </a:ext>
+          </a:extLst>
+        </p:spPr>
+      </p:pic>
+      <p:sp>
+        <p:nvSpPr>
+          <p:cNvPr id="27" name="Right Arrow 26"/>
           <p:cNvSpPr/>
           <p:nvPr/>
         </p:nvSpPr>
         <p:spPr>
           <a:xfrm>
-            <a:off x="5290414" y="2349918"/>
+            <a:off x="5270470" y="2287013"/>
             <a:ext cx="677333" cy="728133"/>
           </a:xfrm>
           <a:prstGeom prst="rightArrow">
@@ -3358,53 +3508,14 @@
       </p:sp>
       <p:pic>
         <p:nvPicPr>
-          <p:cNvPr id="1032" name="Picture 8" descr="How the Auth0 Data Team Uses R and Python"/>
-          <p:cNvPicPr>
-            <a:picLocks noChangeAspect="1" noChangeArrowheads="1"/>
-          </p:cNvPicPr>
-          <p:nvPr/>
-        </p:nvPicPr>
-        <p:blipFill rotWithShape="1">
-          <a:blip r:embed="rId4" cstate="print">
-            <a:extLst>
-              <a:ext uri="{28A0092B-C50C-407E-A947-70E740481C1C}">
-                <a14:useLocalDpi xmlns:a14="http://schemas.microsoft.com/office/drawing/2010/main" val="0"/>
-              </a:ext>
-            </a:extLst>
-          </a:blip>
-          <a:srcRect t="26268" b="27974"/>
-          <a:stretch/>
-        </p:blipFill>
-        <p:spPr bwMode="auto">
-          <a:xfrm>
-            <a:off x="6339100" y="2130733"/>
-            <a:ext cx="2199037" cy="1021390"/>
-          </a:xfrm>
-          <a:prstGeom prst="rect">
-            <a:avLst/>
-          </a:prstGeom>
-          <a:noFill/>
-          <a:extLst>
-            <a:ext uri="{909E8E84-426E-40DD-AFC4-6F175D3DCCD1}">
-              <a14:hiddenFill xmlns:a14="http://schemas.microsoft.com/office/drawing/2010/main">
-                <a:solidFill>
-                  <a:srgbClr val="FFFFFF"/>
-                </a:solidFill>
-              </a14:hiddenFill>
-            </a:ext>
-          </a:extLst>
-        </p:spPr>
-      </p:pic>
-      <p:pic>
-        <p:nvPicPr>
-          <p:cNvPr id="1034" name="Picture 10" descr="Machine Learning Icons - Download Free Vector Icons | Noun Project"/>
+          <p:cNvPr id="15" name="Picture 8" descr="REDCap - Penn State Clinical and Translational Science Institute"/>
           <p:cNvPicPr>
             <a:picLocks noChangeAspect="1" noChangeArrowheads="1"/>
           </p:cNvPicPr>
           <p:nvPr/>
         </p:nvPicPr>
         <p:blipFill>
-          <a:blip r:embed="rId5">
+          <a:blip r:embed="rId5" cstate="print">
             <a:extLst>
               <a:ext uri="{28A0092B-C50C-407E-A947-70E740481C1C}">
                 <a14:useLocalDpi xmlns:a14="http://schemas.microsoft.com/office/drawing/2010/main" val="0"/>
@@ -3418,13 +3529,18 @@
         </p:blipFill>
         <p:spPr bwMode="auto">
           <a:xfrm>
-            <a:off x="9639015" y="1754607"/>
-            <a:ext cx="1597025" cy="1597025"/>
+            <a:off x="8979796" y="2155745"/>
+            <a:ext cx="3136265" cy="1093405"/>
           </a:xfrm>
           <a:prstGeom prst="rect">
             <a:avLst/>
           </a:prstGeom>
           <a:noFill/>
+          <a:ln w="19050">
+            <a:solidFill>
+              <a:schemeClr val="tx1"/>
+            </a:solidFill>
+          </a:ln>
           <a:extLst>
             <a:ext uri="{909E8E84-426E-40DD-AFC4-6F175D3DCCD1}">
               <a14:hiddenFill xmlns:a14="http://schemas.microsoft.com/office/drawing/2010/main">
@@ -3438,13 +3554,48 @@
       </p:pic>
       <p:sp>
         <p:nvSpPr>
-          <p:cNvPr id="16" name="Right Arrow 15"/>
+          <p:cNvPr id="29" name="TextBox 28"/>
+          <p:cNvSpPr txBox="1"/>
+          <p:nvPr/>
+        </p:nvSpPr>
+        <p:spPr>
+          <a:xfrm>
+            <a:off x="3957799" y="1714657"/>
+            <a:ext cx="4531687" cy="369332"/>
+          </a:xfrm>
+          <a:prstGeom prst="rect">
+            <a:avLst/>
+          </a:prstGeom>
+          <a:noFill/>
+        </p:spPr>
+        <p:txBody>
+          <a:bodyPr wrap="square" rtlCol="0">
+            <a:spAutoFit/>
+          </a:bodyPr>
+          <a:lstStyle/>
+          <a:p>
+            <a:pPr algn="ctr"/>
+            <a:r>
+              <a:rPr lang="en-US" dirty="0"/>
+              <a:t>E</a:t>
+            </a:r>
+            <a:r>
+              <a:rPr lang="en-US" dirty="0" smtClean="0"/>
+              <a:t>xtract, Learn &amp; Transform (ELT)</a:t>
+            </a:r>
+            <a:endParaRPr lang="en-US" dirty="0"/>
+          </a:p>
+        </p:txBody>
+      </p:sp>
+      <p:sp>
+        <p:nvSpPr>
+          <p:cNvPr id="30" name="Right Arrow 29"/>
           <p:cNvSpPr/>
           <p:nvPr/>
         </p:nvSpPr>
         <p:spPr>
           <a:xfrm>
-            <a:off x="8701476" y="2292559"/>
+            <a:off x="8257507" y="2314718"/>
             <a:ext cx="677333" cy="728133"/>
           </a:xfrm>
           <a:prstGeom prst="rightArrow">
@@ -3478,43 +3629,59 @@
       </p:sp>
       <p:sp>
         <p:nvSpPr>
-          <p:cNvPr id="7" name="TextBox 6"/>
-          <p:cNvSpPr txBox="1"/>
+          <p:cNvPr id="20" name="Rounded Rectangle 19"/>
+          <p:cNvSpPr/>
           <p:nvPr/>
         </p:nvSpPr>
         <p:spPr>
           <a:xfrm>
-            <a:off x="9931400" y="3639498"/>
-            <a:ext cx="1109133" cy="646331"/>
+            <a:off x="3746995" y="1687484"/>
+            <a:ext cx="4445135" cy="1920240"/>
           </a:xfrm>
-          <a:prstGeom prst="rect">
+          <a:prstGeom prst="roundRect">
             <a:avLst/>
           </a:prstGeom>
           <a:noFill/>
+          <a:ln>
+            <a:solidFill>
+              <a:schemeClr val="tx1"/>
+            </a:solidFill>
+          </a:ln>
         </p:spPr>
-        <p:txBody>
-          <a:bodyPr wrap="square" rtlCol="0">
-            <a:spAutoFit/>
-          </a:bodyPr>
-          <a:lstStyle/>
-          <a:p>
-            <a:r>
-              <a:rPr lang="en-US" dirty="0" smtClean="0"/>
-              <a:t>Machine Learning</a:t>
-            </a:r>
-            <a:endParaRPr lang="en-US" dirty="0"/>
-          </a:p>
-        </p:txBody>
-      </p:sp>
-      <p:sp>
-        <p:nvSpPr>
-          <p:cNvPr id="18" name="TextBox 17"/>
+        <p:style>
+          <a:lnRef idx="2">
+            <a:schemeClr val="accent1">
+              <a:shade val="50000"/>
+            </a:schemeClr>
+          </a:lnRef>
+          <a:fillRef idx="1">
+            <a:schemeClr val="accent1"/>
+          </a:fillRef>
+          <a:effectRef idx="0">
+            <a:schemeClr val="accent1"/>
+          </a:effectRef>
+          <a:fontRef idx="minor">
+            <a:schemeClr val="lt1"/>
+          </a:fontRef>
+        </p:style>
+        <p:txBody>
+          <a:bodyPr rtlCol="0" anchor="ctr"/>
+          <a:lstStyle/>
+          <a:p>
+            <a:pPr algn="ctr"/>
+            <a:endParaRPr lang="en-US"/>
+          </a:p>
+        </p:txBody>
+      </p:sp>
+      <p:sp>
+        <p:nvSpPr>
+          <p:cNvPr id="32" name="TextBox 31"/>
           <p:cNvSpPr txBox="1"/>
           <p:nvPr/>
         </p:nvSpPr>
         <p:spPr>
           <a:xfrm>
-            <a:off x="6339100" y="3351632"/>
+            <a:off x="149629" y="3754667"/>
             <a:ext cx="2199037" cy="369332"/>
           </a:xfrm>
           <a:prstGeom prst="rect">
@@ -3531,38 +3698,7 @@
             <a:pPr algn="ctr"/>
             <a:r>
               <a:rPr lang="en-US" dirty="0" smtClean="0"/>
-              <a:t>Post-Processing </a:t>
-            </a:r>
-            <a:endParaRPr lang="en-US" dirty="0"/>
-          </a:p>
-        </p:txBody>
-      </p:sp>
-      <p:sp>
-        <p:nvSpPr>
-          <p:cNvPr id="19" name="TextBox 18"/>
-          <p:cNvSpPr txBox="1"/>
-          <p:nvPr/>
-        </p:nvSpPr>
-        <p:spPr>
-          <a:xfrm>
-            <a:off x="339437" y="3639498"/>
-            <a:ext cx="2199037" cy="369332"/>
-          </a:xfrm>
-          <a:prstGeom prst="rect">
-            <a:avLst/>
-          </a:prstGeom>
-          <a:noFill/>
-        </p:spPr>
-        <p:txBody>
-          <a:bodyPr wrap="square" rtlCol="0">
-            <a:spAutoFit/>
-          </a:bodyPr>
-          <a:lstStyle/>
-          <a:p>
-            <a:pPr algn="ctr"/>
-            <a:r>
-              <a:rPr lang="en-US" dirty="0" err="1" smtClean="0"/>
-              <a:t>Teamtat</a:t>
+              <a:t>Extract from IDR </a:t>
             </a:r>
             <a:endParaRPr lang="en-US" dirty="0"/>
           </a:p>
